--- a/note/Презентация на тему Trello.pptx
+++ b/note/Презентация на тему Trello.pptx
@@ -306,7 +306,7 @@
           <a:p>
             <a:fld id="{4AAD347D-5ACD-4C99-B74B-A9C85AD731AF}" type="datetimeFigureOut">
               <a:rPr lang="en-US" dirty="0"/>
-              <a:t>9/10/2023</a:t>
+              <a:t>11/4/2024</a:t>
             </a:fld>
             <a:endParaRPr lang="en-US" dirty="0"/>
           </a:p>
@@ -576,7 +576,7 @@
           <a:p>
             <a:fld id="{4509A250-FF31-4206-8172-F9D3106AACB1}" type="datetimeFigureOut">
               <a:rPr lang="en-US" dirty="0"/>
-              <a:t>9/10/2023</a:t>
+              <a:t>11/4/2024</a:t>
             </a:fld>
             <a:endParaRPr lang="en-US" dirty="0"/>
           </a:p>
@@ -765,7 +765,7 @@
           <a:p>
             <a:fld id="{4509A250-FF31-4206-8172-F9D3106AACB1}" type="datetimeFigureOut">
               <a:rPr lang="en-US" dirty="0"/>
-              <a:t>9/10/2023</a:t>
+              <a:t>11/4/2024</a:t>
             </a:fld>
             <a:endParaRPr lang="en-US" dirty="0"/>
           </a:p>
@@ -1033,7 +1033,7 @@
           <a:p>
             <a:fld id="{4509A250-FF31-4206-8172-F9D3106AACB1}" type="datetimeFigureOut">
               <a:rPr lang="en-US" dirty="0"/>
-              <a:t>9/10/2023</a:t>
+              <a:t>11/4/2024</a:t>
             </a:fld>
             <a:endParaRPr lang="en-US" dirty="0"/>
           </a:p>
@@ -1369,7 +1369,7 @@
           <a:p>
             <a:fld id="{4509A250-FF31-4206-8172-F9D3106AACB1}" type="datetimeFigureOut">
               <a:rPr lang="en-US" dirty="0"/>
-              <a:t>9/10/2023</a:t>
+              <a:t>11/4/2024</a:t>
             </a:fld>
             <a:endParaRPr lang="en-US" dirty="0"/>
           </a:p>
@@ -1987,7 +1987,7 @@
           <a:p>
             <a:fld id="{4509A250-FF31-4206-8172-F9D3106AACB1}" type="datetimeFigureOut">
               <a:rPr lang="en-US" dirty="0"/>
-              <a:t>9/10/2023</a:t>
+              <a:t>11/4/2024</a:t>
             </a:fld>
             <a:endParaRPr lang="en-US" dirty="0"/>
           </a:p>
@@ -2842,7 +2842,7 @@
           <a:p>
             <a:fld id="{4509A250-FF31-4206-8172-F9D3106AACB1}" type="datetimeFigureOut">
               <a:rPr lang="en-US" dirty="0"/>
-              <a:t>9/10/2023</a:t>
+              <a:t>11/4/2024</a:t>
             </a:fld>
             <a:endParaRPr lang="en-US" dirty="0"/>
           </a:p>
@@ -3007,7 +3007,7 @@
           <a:p>
             <a:fld id="{4509A250-FF31-4206-8172-F9D3106AACB1}" type="datetimeFigureOut">
               <a:rPr lang="en-US" dirty="0"/>
-              <a:t>9/10/2023</a:t>
+              <a:t>11/4/2024</a:t>
             </a:fld>
             <a:endParaRPr lang="en-US" dirty="0"/>
           </a:p>
@@ -3182,7 +3182,7 @@
           <a:p>
             <a:fld id="{4509A250-FF31-4206-8172-F9D3106AACB1}" type="datetimeFigureOut">
               <a:rPr lang="en-US" dirty="0"/>
-              <a:t>9/10/2023</a:t>
+              <a:t>11/4/2024</a:t>
             </a:fld>
             <a:endParaRPr lang="en-US" dirty="0"/>
           </a:p>
@@ -3347,7 +3347,7 @@
           <a:p>
             <a:fld id="{4509A250-FF31-4206-8172-F9D3106AACB1}" type="datetimeFigureOut">
               <a:rPr lang="en-US" dirty="0"/>
-              <a:t>9/10/2023</a:t>
+              <a:t>11/4/2024</a:t>
             </a:fld>
             <a:endParaRPr lang="en-US" dirty="0"/>
           </a:p>
@@ -3589,7 +3589,7 @@
           <a:p>
             <a:fld id="{9796027F-7875-4030-9381-8BD8C4F21935}" type="datetimeFigureOut">
               <a:rPr lang="en-US" dirty="0"/>
-              <a:t>9/10/2023</a:t>
+              <a:t>11/4/2024</a:t>
             </a:fld>
             <a:endParaRPr lang="en-US" dirty="0"/>
           </a:p>
@@ -3876,7 +3876,7 @@
           <a:p>
             <a:fld id="{9796027F-7875-4030-9381-8BD8C4F21935}" type="datetimeFigureOut">
               <a:rPr lang="en-US" dirty="0"/>
-              <a:t>9/10/2023</a:t>
+              <a:t>11/4/2024</a:t>
             </a:fld>
             <a:endParaRPr lang="en-US" dirty="0"/>
           </a:p>
@@ -4315,7 +4315,7 @@
           <a:p>
             <a:fld id="{9796027F-7875-4030-9381-8BD8C4F21935}" type="datetimeFigureOut">
               <a:rPr lang="en-US" dirty="0"/>
-              <a:t>9/10/2023</a:t>
+              <a:t>11/4/2024</a:t>
             </a:fld>
             <a:endParaRPr lang="en-US" dirty="0"/>
           </a:p>
@@ -4428,7 +4428,7 @@
           <a:p>
             <a:fld id="{4509A250-FF31-4206-8172-F9D3106AACB1}" type="datetimeFigureOut">
               <a:rPr lang="en-US" dirty="0"/>
-              <a:t>9/10/2023</a:t>
+              <a:t>11/4/2024</a:t>
             </a:fld>
             <a:endParaRPr lang="en-US" dirty="0"/>
           </a:p>
@@ -4518,7 +4518,7 @@
           <a:p>
             <a:fld id="{4509A250-FF31-4206-8172-F9D3106AACB1}" type="datetimeFigureOut">
               <a:rPr lang="en-US" dirty="0"/>
-              <a:t>9/10/2023</a:t>
+              <a:t>11/4/2024</a:t>
             </a:fld>
             <a:endParaRPr lang="en-US" dirty="0"/>
           </a:p>
@@ -4792,7 +4792,7 @@
           <a:p>
             <a:fld id="{4509A250-FF31-4206-8172-F9D3106AACB1}" type="datetimeFigureOut">
               <a:rPr lang="en-US" dirty="0"/>
-              <a:t>9/10/2023</a:t>
+              <a:t>11/4/2024</a:t>
             </a:fld>
             <a:endParaRPr lang="en-US" dirty="0"/>
           </a:p>
@@ -5062,7 +5062,7 @@
           <a:p>
             <a:fld id="{4509A250-FF31-4206-8172-F9D3106AACB1}" type="datetimeFigureOut">
               <a:rPr lang="en-US" dirty="0"/>
-              <a:t>9/10/2023</a:t>
+              <a:t>11/4/2024</a:t>
             </a:fld>
             <a:endParaRPr lang="en-US" dirty="0"/>
           </a:p>
@@ -5486,7 +5486,7 @@
           <a:p>
             <a:fld id="{4AAD347D-5ACD-4C99-B74B-A9C85AD731AF}" type="datetimeFigureOut">
               <a:rPr lang="en-US" dirty="0"/>
-              <a:t>9/10/2023</a:t>
+              <a:t>11/4/2024</a:t>
             </a:fld>
             <a:endParaRPr lang="en-US" dirty="0"/>
           </a:p>
